--- a/Presentations/General_Introduction_Course/Jack_Leunissen/Historic/Jackl2012-08-26/multalign.pptx
+++ b/Presentations/General_Introduction_Course/Jack_Leunissen/Historic/Jackl2012-08-26/multalign.pptx
@@ -410,6 +410,11 @@
         </p:txBody>
       </p:sp>
     </p:spTree>
+    <p:extLst>
+      <p:ext uri="{BB962C8B-B14F-4D97-AF65-F5344CB8AC3E}">
+        <p14:creationId xmlns:p14="http://schemas.microsoft.com/office/powerpoint/2010/main" val="497359128"/>
+      </p:ext>
+    </p:extLst>
   </p:cSld>
   <p:clrMap bg1="lt1" tx1="dk1" bg2="lt2" tx2="dk2" accent1="accent1" accent2="accent2" accent3="accent3" accent4="accent4" accent5="accent5" accent6="accent6" hlink="hlink" folHlink="folHlink"/>
 </p:handoutMaster>
@@ -543,7 +548,7 @@
         <p:nvSpPr>
           <p:cNvPr id="39940" name="Rectangle 4"/>
           <p:cNvSpPr>
-            <a:spLocks noChangeArrowheads="1" noTextEdit="1"/>
+            <a:spLocks noGrp="1" noRot="1" noChangeAspect="1" noChangeArrowheads="1" noTextEdit="1"/>
           </p:cNvSpPr>
           <p:nvPr>
             <p:ph type="sldImg" idx="2"/>
@@ -745,6 +750,11 @@
         </p:txBody>
       </p:sp>
     </p:spTree>
+    <p:extLst>
+      <p:ext uri="{BB962C8B-B14F-4D97-AF65-F5344CB8AC3E}">
+        <p14:creationId xmlns:p14="http://schemas.microsoft.com/office/powerpoint/2010/main" val="4117734931"/>
+      </p:ext>
+    </p:extLst>
   </p:cSld>
   <p:clrMap bg1="lt1" tx1="dk1" bg2="lt2" tx2="dk2" accent1="accent1" accent2="accent2" accent3="accent3" accent4="accent4" accent5="accent5" accent6="accent6" hlink="hlink" folHlink="folHlink"/>
   <p:hf dt="0"/>
@@ -968,7 +978,7 @@
         <p:nvSpPr>
           <p:cNvPr id="40962" name="Rectangle 2"/>
           <p:cNvSpPr>
-            <a:spLocks noChangeArrowheads="1" noTextEdit="1"/>
+            <a:spLocks noGrp="1" noRot="1" noChangeAspect="1" noChangeArrowheads="1" noTextEdit="1"/>
           </p:cNvSpPr>
           <p:nvPr>
             <p:ph type="sldImg"/>
@@ -1100,7 +1110,7 @@
         <p:nvSpPr>
           <p:cNvPr id="87042" name="Rectangle 2"/>
           <p:cNvSpPr>
-            <a:spLocks noChangeArrowheads="1" noTextEdit="1"/>
+            <a:spLocks noGrp="1" noRot="1" noChangeAspect="1" noChangeArrowheads="1" noTextEdit="1"/>
           </p:cNvSpPr>
           <p:nvPr>
             <p:ph type="sldImg"/>
@@ -1232,7 +1242,7 @@
         <p:nvSpPr>
           <p:cNvPr id="88066" name="Rectangle 2"/>
           <p:cNvSpPr>
-            <a:spLocks noChangeArrowheads="1" noTextEdit="1"/>
+            <a:spLocks noGrp="1" noRot="1" noChangeAspect="1" noChangeArrowheads="1" noTextEdit="1"/>
           </p:cNvSpPr>
           <p:nvPr>
             <p:ph type="sldImg"/>
@@ -1364,7 +1374,7 @@
         <p:nvSpPr>
           <p:cNvPr id="89090" name="Rectangle 2"/>
           <p:cNvSpPr>
-            <a:spLocks noChangeArrowheads="1" noTextEdit="1"/>
+            <a:spLocks noGrp="1" noRot="1" noChangeAspect="1" noChangeArrowheads="1" noTextEdit="1"/>
           </p:cNvSpPr>
           <p:nvPr>
             <p:ph type="sldImg"/>
@@ -1496,7 +1506,7 @@
         <p:nvSpPr>
           <p:cNvPr id="90114" name="Rectangle 2"/>
           <p:cNvSpPr>
-            <a:spLocks noChangeArrowheads="1" noTextEdit="1"/>
+            <a:spLocks noGrp="1" noRot="1" noChangeAspect="1" noChangeArrowheads="1" noTextEdit="1"/>
           </p:cNvSpPr>
           <p:nvPr>
             <p:ph type="sldImg"/>
@@ -1628,7 +1638,7 @@
         <p:nvSpPr>
           <p:cNvPr id="91138" name="Rectangle 2"/>
           <p:cNvSpPr>
-            <a:spLocks noChangeArrowheads="1" noTextEdit="1"/>
+            <a:spLocks noGrp="1" noRot="1" noChangeAspect="1" noChangeArrowheads="1" noTextEdit="1"/>
           </p:cNvSpPr>
           <p:nvPr>
             <p:ph type="sldImg"/>
@@ -1760,7 +1770,7 @@
         <p:nvSpPr>
           <p:cNvPr id="92162" name="Rectangle 2"/>
           <p:cNvSpPr>
-            <a:spLocks noChangeArrowheads="1" noTextEdit="1"/>
+            <a:spLocks noGrp="1" noRot="1" noChangeAspect="1" noChangeArrowheads="1" noTextEdit="1"/>
           </p:cNvSpPr>
           <p:nvPr>
             <p:ph type="sldImg"/>
@@ -1892,7 +1902,7 @@
         <p:nvSpPr>
           <p:cNvPr id="93186" name="Rectangle 2"/>
           <p:cNvSpPr>
-            <a:spLocks noChangeArrowheads="1" noTextEdit="1"/>
+            <a:spLocks noGrp="1" noRot="1" noChangeAspect="1" noChangeArrowheads="1" noTextEdit="1"/>
           </p:cNvSpPr>
           <p:nvPr>
             <p:ph type="sldImg"/>
@@ -2024,7 +2034,7 @@
         <p:nvSpPr>
           <p:cNvPr id="94210" name="Rectangle 2"/>
           <p:cNvSpPr>
-            <a:spLocks noChangeArrowheads="1" noTextEdit="1"/>
+            <a:spLocks noGrp="1" noRot="1" noChangeAspect="1" noChangeArrowheads="1" noTextEdit="1"/>
           </p:cNvSpPr>
           <p:nvPr>
             <p:ph type="sldImg"/>
@@ -2156,7 +2166,7 @@
         <p:nvSpPr>
           <p:cNvPr id="95234" name="Rectangle 2"/>
           <p:cNvSpPr>
-            <a:spLocks noChangeArrowheads="1" noTextEdit="1"/>
+            <a:spLocks noGrp="1" noRot="1" noChangeAspect="1" noChangeArrowheads="1" noTextEdit="1"/>
           </p:cNvSpPr>
           <p:nvPr>
             <p:ph type="sldImg"/>
@@ -2288,7 +2298,7 @@
         <p:nvSpPr>
           <p:cNvPr id="96258" name="Rectangle 2"/>
           <p:cNvSpPr>
-            <a:spLocks noChangeArrowheads="1" noTextEdit="1"/>
+            <a:spLocks noGrp="1" noRot="1" noChangeAspect="1" noChangeArrowheads="1" noTextEdit="1"/>
           </p:cNvSpPr>
           <p:nvPr>
             <p:ph type="sldImg"/>
@@ -2420,7 +2430,7 @@
         <p:nvSpPr>
           <p:cNvPr id="78850" name="Rectangle 2"/>
           <p:cNvSpPr>
-            <a:spLocks noChangeArrowheads="1" noTextEdit="1"/>
+            <a:spLocks noGrp="1" noRot="1" noChangeAspect="1" noChangeArrowheads="1" noTextEdit="1"/>
           </p:cNvSpPr>
           <p:nvPr>
             <p:ph type="sldImg"/>
@@ -2552,7 +2562,7 @@
         <p:nvSpPr>
           <p:cNvPr id="97282" name="Rectangle 2"/>
           <p:cNvSpPr>
-            <a:spLocks noChangeArrowheads="1" noTextEdit="1"/>
+            <a:spLocks noGrp="1" noRot="1" noChangeAspect="1" noChangeArrowheads="1" noTextEdit="1"/>
           </p:cNvSpPr>
           <p:nvPr>
             <p:ph type="sldImg"/>
@@ -2684,7 +2694,7 @@
         <p:nvSpPr>
           <p:cNvPr id="98306" name="Rectangle 2"/>
           <p:cNvSpPr>
-            <a:spLocks noChangeArrowheads="1" noTextEdit="1"/>
+            <a:spLocks noGrp="1" noRot="1" noChangeAspect="1" noChangeArrowheads="1" noTextEdit="1"/>
           </p:cNvSpPr>
           <p:nvPr>
             <p:ph type="sldImg"/>
@@ -2816,7 +2826,7 @@
         <p:nvSpPr>
           <p:cNvPr id="99330" name="Rectangle 2"/>
           <p:cNvSpPr>
-            <a:spLocks noChangeArrowheads="1" noTextEdit="1"/>
+            <a:spLocks noGrp="1" noRot="1" noChangeAspect="1" noChangeArrowheads="1" noTextEdit="1"/>
           </p:cNvSpPr>
           <p:nvPr>
             <p:ph type="sldImg"/>
@@ -2948,7 +2958,7 @@
         <p:nvSpPr>
           <p:cNvPr id="100354" name="Rectangle 2"/>
           <p:cNvSpPr>
-            <a:spLocks noChangeArrowheads="1" noTextEdit="1"/>
+            <a:spLocks noGrp="1" noRot="1" noChangeAspect="1" noChangeArrowheads="1" noTextEdit="1"/>
           </p:cNvSpPr>
           <p:nvPr>
             <p:ph type="sldImg"/>
@@ -3080,7 +3090,7 @@
         <p:nvSpPr>
           <p:cNvPr id="102402" name="Rectangle 2"/>
           <p:cNvSpPr>
-            <a:spLocks noChangeArrowheads="1" noTextEdit="1"/>
+            <a:spLocks noGrp="1" noRot="1" noChangeAspect="1" noChangeArrowheads="1" noTextEdit="1"/>
           </p:cNvSpPr>
           <p:nvPr>
             <p:ph type="sldImg"/>
@@ -3212,7 +3222,7 @@
         <p:nvSpPr>
           <p:cNvPr id="103426" name="Rectangle 2"/>
           <p:cNvSpPr>
-            <a:spLocks noChangeArrowheads="1" noTextEdit="1"/>
+            <a:spLocks noGrp="1" noRot="1" noChangeAspect="1" noChangeArrowheads="1" noTextEdit="1"/>
           </p:cNvSpPr>
           <p:nvPr>
             <p:ph type="sldImg"/>
@@ -3344,7 +3354,7 @@
         <p:nvSpPr>
           <p:cNvPr id="104450" name="Rectangle 2"/>
           <p:cNvSpPr>
-            <a:spLocks noChangeArrowheads="1" noTextEdit="1"/>
+            <a:spLocks noGrp="1" noRot="1" noChangeAspect="1" noChangeArrowheads="1" noTextEdit="1"/>
           </p:cNvSpPr>
           <p:nvPr>
             <p:ph type="sldImg"/>
@@ -3476,7 +3486,7 @@
         <p:nvSpPr>
           <p:cNvPr id="105474" name="Rectangle 2"/>
           <p:cNvSpPr>
-            <a:spLocks noChangeArrowheads="1" noTextEdit="1"/>
+            <a:spLocks noGrp="1" noRot="1" noChangeAspect="1" noChangeArrowheads="1" noTextEdit="1"/>
           </p:cNvSpPr>
           <p:nvPr>
             <p:ph type="sldImg"/>
@@ -3608,7 +3618,7 @@
         <p:nvSpPr>
           <p:cNvPr id="106498" name="Rectangle 2"/>
           <p:cNvSpPr>
-            <a:spLocks noChangeArrowheads="1" noTextEdit="1"/>
+            <a:spLocks noGrp="1" noRot="1" noChangeAspect="1" noChangeArrowheads="1" noTextEdit="1"/>
           </p:cNvSpPr>
           <p:nvPr>
             <p:ph type="sldImg"/>
@@ -3740,7 +3750,7 @@
         <p:nvSpPr>
           <p:cNvPr id="107522" name="Rectangle 2"/>
           <p:cNvSpPr>
-            <a:spLocks noChangeArrowheads="1" noTextEdit="1"/>
+            <a:spLocks noGrp="1" noRot="1" noChangeAspect="1" noChangeArrowheads="1" noTextEdit="1"/>
           </p:cNvSpPr>
           <p:nvPr>
             <p:ph type="sldImg"/>
@@ -3872,7 +3882,7 @@
         <p:nvSpPr>
           <p:cNvPr id="79874" name="Rectangle 2"/>
           <p:cNvSpPr>
-            <a:spLocks noChangeArrowheads="1" noTextEdit="1"/>
+            <a:spLocks noGrp="1" noRot="1" noChangeAspect="1" noChangeArrowheads="1" noTextEdit="1"/>
           </p:cNvSpPr>
           <p:nvPr>
             <p:ph type="sldImg"/>
@@ -4004,7 +4014,7 @@
         <p:nvSpPr>
           <p:cNvPr id="108546" name="Rectangle 2"/>
           <p:cNvSpPr>
-            <a:spLocks noChangeArrowheads="1" noTextEdit="1"/>
+            <a:spLocks noGrp="1" noRot="1" noChangeAspect="1" noChangeArrowheads="1" noTextEdit="1"/>
           </p:cNvSpPr>
           <p:nvPr>
             <p:ph type="sldImg"/>
@@ -4136,7 +4146,7 @@
         <p:nvSpPr>
           <p:cNvPr id="109570" name="Rectangle 2"/>
           <p:cNvSpPr>
-            <a:spLocks noChangeArrowheads="1" noTextEdit="1"/>
+            <a:spLocks noGrp="1" noRot="1" noChangeAspect="1" noChangeArrowheads="1" noTextEdit="1"/>
           </p:cNvSpPr>
           <p:nvPr>
             <p:ph type="sldImg"/>
@@ -4268,7 +4278,7 @@
         <p:nvSpPr>
           <p:cNvPr id="110594" name="Rectangle 2"/>
           <p:cNvSpPr>
-            <a:spLocks noChangeArrowheads="1" noTextEdit="1"/>
+            <a:spLocks noGrp="1" noRot="1" noChangeAspect="1" noChangeArrowheads="1" noTextEdit="1"/>
           </p:cNvSpPr>
           <p:nvPr>
             <p:ph type="sldImg"/>
@@ -4400,7 +4410,7 @@
         <p:nvSpPr>
           <p:cNvPr id="111618" name="Rectangle 2"/>
           <p:cNvSpPr>
-            <a:spLocks noChangeArrowheads="1" noTextEdit="1"/>
+            <a:spLocks noGrp="1" noRot="1" noChangeAspect="1" noChangeArrowheads="1" noTextEdit="1"/>
           </p:cNvSpPr>
           <p:nvPr>
             <p:ph type="sldImg"/>
@@ -4532,7 +4542,7 @@
         <p:nvSpPr>
           <p:cNvPr id="112642" name="Rectangle 2"/>
           <p:cNvSpPr>
-            <a:spLocks noChangeArrowheads="1" noTextEdit="1"/>
+            <a:spLocks noGrp="1" noRot="1" noChangeAspect="1" noChangeArrowheads="1" noTextEdit="1"/>
           </p:cNvSpPr>
           <p:nvPr>
             <p:ph type="sldImg"/>
@@ -4664,7 +4674,7 @@
         <p:nvSpPr>
           <p:cNvPr id="114690" name="Rectangle 2"/>
           <p:cNvSpPr>
-            <a:spLocks noChangeArrowheads="1" noTextEdit="1"/>
+            <a:spLocks noGrp="1" noRot="1" noChangeAspect="1" noChangeArrowheads="1" noTextEdit="1"/>
           </p:cNvSpPr>
           <p:nvPr>
             <p:ph type="sldImg"/>
@@ -4796,7 +4806,7 @@
         <p:nvSpPr>
           <p:cNvPr id="119810" name="Rectangle 2"/>
           <p:cNvSpPr>
-            <a:spLocks noChangeArrowheads="1" noTextEdit="1"/>
+            <a:spLocks noGrp="1" noRot="1" noChangeAspect="1" noChangeArrowheads="1" noTextEdit="1"/>
           </p:cNvSpPr>
           <p:nvPr>
             <p:ph type="sldImg"/>
@@ -4928,7 +4938,7 @@
         <p:nvSpPr>
           <p:cNvPr id="113666" name="Rectangle 2"/>
           <p:cNvSpPr>
-            <a:spLocks noChangeArrowheads="1" noTextEdit="1"/>
+            <a:spLocks noGrp="1" noRot="1" noChangeAspect="1" noChangeArrowheads="1" noTextEdit="1"/>
           </p:cNvSpPr>
           <p:nvPr>
             <p:ph type="sldImg"/>
@@ -5060,7 +5070,7 @@
         <p:nvSpPr>
           <p:cNvPr id="115714" name="Rectangle 2"/>
           <p:cNvSpPr>
-            <a:spLocks noChangeArrowheads="1" noTextEdit="1"/>
+            <a:spLocks noGrp="1" noRot="1" noChangeAspect="1" noChangeArrowheads="1" noTextEdit="1"/>
           </p:cNvSpPr>
           <p:nvPr>
             <p:ph type="sldImg"/>
@@ -5192,7 +5202,7 @@
         <p:nvSpPr>
           <p:cNvPr id="116738" name="Rectangle 2"/>
           <p:cNvSpPr>
-            <a:spLocks noChangeArrowheads="1" noTextEdit="1"/>
+            <a:spLocks noGrp="1" noRot="1" noChangeAspect="1" noChangeArrowheads="1" noTextEdit="1"/>
           </p:cNvSpPr>
           <p:nvPr>
             <p:ph type="sldImg"/>
@@ -5324,7 +5334,7 @@
         <p:nvSpPr>
           <p:cNvPr id="80898" name="Rectangle 2"/>
           <p:cNvSpPr>
-            <a:spLocks noChangeArrowheads="1" noTextEdit="1"/>
+            <a:spLocks noGrp="1" noRot="1" noChangeAspect="1" noChangeArrowheads="1" noTextEdit="1"/>
           </p:cNvSpPr>
           <p:nvPr>
             <p:ph type="sldImg"/>
@@ -5456,7 +5466,7 @@
         <p:nvSpPr>
           <p:cNvPr id="81922" name="Rectangle 2"/>
           <p:cNvSpPr>
-            <a:spLocks noChangeArrowheads="1" noTextEdit="1"/>
+            <a:spLocks noGrp="1" noRot="1" noChangeAspect="1" noChangeArrowheads="1" noTextEdit="1"/>
           </p:cNvSpPr>
           <p:nvPr>
             <p:ph type="sldImg"/>
@@ -5588,7 +5598,7 @@
         <p:nvSpPr>
           <p:cNvPr id="82946" name="Rectangle 2"/>
           <p:cNvSpPr>
-            <a:spLocks noChangeArrowheads="1" noTextEdit="1"/>
+            <a:spLocks noGrp="1" noRot="1" noChangeAspect="1" noChangeArrowheads="1" noTextEdit="1"/>
           </p:cNvSpPr>
           <p:nvPr>
             <p:ph type="sldImg"/>
@@ -5720,7 +5730,7 @@
         <p:nvSpPr>
           <p:cNvPr id="83970" name="Rectangle 2"/>
           <p:cNvSpPr>
-            <a:spLocks noChangeArrowheads="1" noTextEdit="1"/>
+            <a:spLocks noGrp="1" noRot="1" noChangeAspect="1" noChangeArrowheads="1" noTextEdit="1"/>
           </p:cNvSpPr>
           <p:nvPr>
             <p:ph type="sldImg"/>
@@ -5852,7 +5862,7 @@
         <p:nvSpPr>
           <p:cNvPr id="84994" name="Rectangle 2"/>
           <p:cNvSpPr>
-            <a:spLocks noChangeArrowheads="1" noTextEdit="1"/>
+            <a:spLocks noGrp="1" noRot="1" noChangeAspect="1" noChangeArrowheads="1" noTextEdit="1"/>
           </p:cNvSpPr>
           <p:nvPr>
             <p:ph type="sldImg"/>
@@ -5984,7 +5994,7 @@
         <p:nvSpPr>
           <p:cNvPr id="86018" name="Rectangle 2"/>
           <p:cNvSpPr>
-            <a:spLocks noChangeArrowheads="1" noTextEdit="1"/>
+            <a:spLocks noGrp="1" noRot="1" noChangeAspect="1" noChangeArrowheads="1" noTextEdit="1"/>
           </p:cNvSpPr>
           <p:nvPr>
             <p:ph type="sldImg"/>
@@ -10015,7 +10025,7 @@
         <p:nvGraphicFramePr>
           <p:cNvPr id="120832" name="Object 0"/>
           <p:cNvGraphicFramePr>
-            <a:graphicFrameLocks noChangeAspect="1"/>
+            <a:graphicFrameLocks noGrp="1" noChangeAspect="1"/>
           </p:cNvGraphicFramePr>
           <p:nvPr>
             <p:ph type="tbl" idx="1"/>
@@ -10027,9 +10037,72 @@
         </p:xfrm>
         <a:graphic>
           <a:graphicData uri="http://schemas.openxmlformats.org/presentationml/2006/ole">
-            <p:oleObj spid="_x0000_s120832" name="Document" r:id="rId4" imgW="7912817" imgH="4108286" progId="Word.Document.8">
-              <p:embed/>
-            </p:oleObj>
+            <mc:AlternateContent xmlns:mc="http://schemas.openxmlformats.org/markup-compatibility/2006">
+              <mc:Choice xmlns:v="urn:schemas-microsoft-com:vml" Requires="v">
+                <p:oleObj spid="_x0000_s120833" name="Document" r:id="rId5" imgW="7912817" imgH="4108286" progId="Word.Document.8">
+                  <p:embed/>
+                </p:oleObj>
+              </mc:Choice>
+              <mc:Fallback>
+                <p:oleObj name="Document" r:id="rId5" imgW="7912817" imgH="4108286" progId="Word.Document.8">
+                  <p:embed/>
+                  <p:pic>
+                    <p:nvPicPr>
+                      <p:cNvPr id="0" name="Picture 0"/>
+                      <p:cNvPicPr>
+                        <a:picLocks noChangeAspect="1" noChangeArrowheads="1"/>
+                      </p:cNvPicPr>
+                      <p:nvPr/>
+                    </p:nvPicPr>
+                    <p:blipFill>
+                      <a:blip r:embed="rId6">
+                        <a:extLst>
+                          <a:ext uri="{28A0092B-C50C-407E-A947-70E740481C1C}">
+                            <a14:useLocalDpi xmlns:a14="http://schemas.microsoft.com/office/drawing/2010/main" val="0"/>
+                          </a:ext>
+                        </a:extLst>
+                      </a:blip>
+                      <a:srcRect/>
+                      <a:stretch>
+                        <a:fillRect/>
+                      </a:stretch>
+                    </p:blipFill>
+                    <p:spPr bwMode="auto">
+                      <a:xfrm>
+                        <a:off x="461963" y="1371600"/>
+                        <a:ext cx="8175625" cy="4244975"/>
+                      </a:xfrm>
+                      <a:prstGeom prst="rect">
+                        <a:avLst/>
+                      </a:prstGeom>
+                      <a:noFill/>
+                      <a:ln>
+                        <a:noFill/>
+                      </a:ln>
+                      <a:extLst>
+                        <a:ext uri="{909E8E84-426E-40DD-AFC4-6F175D3DCCD1}">
+                          <a14:hiddenFill xmlns:a14="http://schemas.microsoft.com/office/drawing/2010/main">
+                            <a:solidFill>
+                              <a:srgbClr val="FFFFFF"/>
+                            </a:solidFill>
+                          </a14:hiddenFill>
+                        </a:ext>
+                        <a:ext uri="{91240B29-F687-4F45-9708-019B960494DF}">
+                          <a14:hiddenLine xmlns:a14="http://schemas.microsoft.com/office/drawing/2010/main" w="9525">
+                            <a:solidFill>
+                              <a:schemeClr val="hlink"/>
+                            </a:solidFill>
+                            <a:miter lim="800000"/>
+                            <a:headEnd/>
+                            <a:tailEnd/>
+                          </a14:hiddenLine>
+                        </a:ext>
+                      </a:extLst>
+                    </p:spPr>
+                  </p:pic>
+                </p:oleObj>
+              </mc:Fallback>
+            </mc:AlternateContent>
           </a:graphicData>
         </a:graphic>
       </p:graphicFrame>
@@ -10542,7 +10615,7 @@
         <p:nvGraphicFramePr>
           <p:cNvPr id="12291" name="Object 3"/>
           <p:cNvGraphicFramePr>
-            <a:graphicFrameLocks noChangeAspect="1"/>
+            <a:graphicFrameLocks noGrp="1" noChangeAspect="1"/>
           </p:cNvGraphicFramePr>
           <p:nvPr>
             <p:ph type="tbl" idx="1"/>
@@ -10554,9 +10627,59 @@
         </p:xfrm>
         <a:graphic>
           <a:graphicData uri="http://schemas.openxmlformats.org/presentationml/2006/ole">
-            <p:oleObj spid="_x0000_s12291" name="Document" r:id="rId4" imgW="7617482" imgH="4212889" progId="Word.Document.8">
-              <p:embed/>
-            </p:oleObj>
+            <mc:AlternateContent xmlns:mc="http://schemas.openxmlformats.org/markup-compatibility/2006">
+              <mc:Choice xmlns:v="urn:schemas-microsoft-com:vml" Requires="v">
+                <p:oleObj spid="_x0000_s12292" name="Document" r:id="rId5" imgW="7617482" imgH="4212889" progId="Word.Document.8">
+                  <p:embed/>
+                </p:oleObj>
+              </mc:Choice>
+              <mc:Fallback>
+                <p:oleObj name="Document" r:id="rId5" imgW="7617482" imgH="4212889" progId="Word.Document.8">
+                  <p:embed/>
+                  <p:pic>
+                    <p:nvPicPr>
+                      <p:cNvPr id="0" name="Picture 3"/>
+                      <p:cNvPicPr>
+                        <a:picLocks noChangeAspect="1" noChangeArrowheads="1"/>
+                      </p:cNvPicPr>
+                      <p:nvPr/>
+                    </p:nvPicPr>
+                    <p:blipFill>
+                      <a:blip r:embed="rId6">
+                        <a:extLst>
+                          <a:ext uri="{28A0092B-C50C-407E-A947-70E740481C1C}">
+                            <a14:useLocalDpi xmlns:a14="http://schemas.microsoft.com/office/drawing/2010/main" val="0"/>
+                          </a:ext>
+                        </a:extLst>
+                      </a:blip>
+                      <a:srcRect/>
+                      <a:stretch>
+                        <a:fillRect/>
+                      </a:stretch>
+                    </p:blipFill>
+                    <p:spPr bwMode="auto">
+                      <a:xfrm>
+                        <a:off x="692150" y="2009775"/>
+                        <a:ext cx="7580313" cy="4192588"/>
+                      </a:xfrm>
+                      <a:prstGeom prst="rect">
+                        <a:avLst/>
+                      </a:prstGeom>
+                      <a:noFill/>
+                      <a:extLst>
+                        <a:ext uri="{909E8E84-426E-40DD-AFC4-6F175D3DCCD1}">
+                          <a14:hiddenFill xmlns:a14="http://schemas.microsoft.com/office/drawing/2010/main">
+                            <a:solidFill>
+                              <a:srgbClr val="FFFFFF"/>
+                            </a:solidFill>
+                          </a14:hiddenFill>
+                        </a:ext>
+                      </a:extLst>
+                    </p:spPr>
+                  </p:pic>
+                </p:oleObj>
+              </mc:Fallback>
+            </mc:AlternateContent>
           </a:graphicData>
         </a:graphic>
       </p:graphicFrame>
@@ -11326,7 +11449,7 @@
         <p:nvGraphicFramePr>
           <p:cNvPr id="11267" name="Object 3"/>
           <p:cNvGraphicFramePr>
-            <a:graphicFrameLocks noChangeAspect="1"/>
+            <a:graphicFrameLocks noGrp="1" noChangeAspect="1"/>
           </p:cNvGraphicFramePr>
           <p:nvPr>
             <p:ph type="tbl" idx="1"/>
@@ -11338,9 +11461,59 @@
         </p:xfrm>
         <a:graphic>
           <a:graphicData uri="http://schemas.openxmlformats.org/presentationml/2006/ole">
-            <p:oleObj spid="_x0000_s11267" name="Document" r:id="rId4" imgW="7617482" imgH="4212889" progId="Word.Document.8">
-              <p:embed/>
-            </p:oleObj>
+            <mc:AlternateContent xmlns:mc="http://schemas.openxmlformats.org/markup-compatibility/2006">
+              <mc:Choice xmlns:v="urn:schemas-microsoft-com:vml" Requires="v">
+                <p:oleObj spid="_x0000_s11268" name="Document" r:id="rId5" imgW="7617482" imgH="4212889" progId="Word.Document.8">
+                  <p:embed/>
+                </p:oleObj>
+              </mc:Choice>
+              <mc:Fallback>
+                <p:oleObj name="Document" r:id="rId5" imgW="7617482" imgH="4212889" progId="Word.Document.8">
+                  <p:embed/>
+                  <p:pic>
+                    <p:nvPicPr>
+                      <p:cNvPr id="0" name="Picture 3"/>
+                      <p:cNvPicPr>
+                        <a:picLocks noChangeAspect="1" noChangeArrowheads="1"/>
+                      </p:cNvPicPr>
+                      <p:nvPr/>
+                    </p:nvPicPr>
+                    <p:blipFill>
+                      <a:blip r:embed="rId6">
+                        <a:extLst>
+                          <a:ext uri="{28A0092B-C50C-407E-A947-70E740481C1C}">
+                            <a14:useLocalDpi xmlns:a14="http://schemas.microsoft.com/office/drawing/2010/main" val="0"/>
+                          </a:ext>
+                        </a:extLst>
+                      </a:blip>
+                      <a:srcRect/>
+                      <a:stretch>
+                        <a:fillRect/>
+                      </a:stretch>
+                    </p:blipFill>
+                    <p:spPr bwMode="auto">
+                      <a:xfrm>
+                        <a:off x="693738" y="2014538"/>
+                        <a:ext cx="7607300" cy="4208462"/>
+                      </a:xfrm>
+                      <a:prstGeom prst="rect">
+                        <a:avLst/>
+                      </a:prstGeom>
+                      <a:noFill/>
+                      <a:extLst>
+                        <a:ext uri="{909E8E84-426E-40DD-AFC4-6F175D3DCCD1}">
+                          <a14:hiddenFill xmlns:a14="http://schemas.microsoft.com/office/drawing/2010/main">
+                            <a:solidFill>
+                              <a:srgbClr val="FFFFFF"/>
+                            </a:solidFill>
+                          </a14:hiddenFill>
+                        </a:ext>
+                      </a:extLst>
+                    </p:spPr>
+                  </p:pic>
+                </p:oleObj>
+              </mc:Fallback>
+            </mc:AlternateContent>
           </a:graphicData>
         </a:graphic>
       </p:graphicFrame>
@@ -12313,7 +12486,7 @@
         <p:nvGraphicFramePr>
           <p:cNvPr id="10243" name="Object 3"/>
           <p:cNvGraphicFramePr>
-            <a:graphicFrameLocks noChangeAspect="1"/>
+            <a:graphicFrameLocks noGrp="1" noChangeAspect="1"/>
           </p:cNvGraphicFramePr>
           <p:nvPr>
             <p:ph type="tbl" idx="1"/>
@@ -12325,9 +12498,59 @@
         </p:xfrm>
         <a:graphic>
           <a:graphicData uri="http://schemas.openxmlformats.org/presentationml/2006/ole">
-            <p:oleObj spid="_x0000_s10243" name="Document" r:id="rId4" imgW="7594071" imgH="4208216" progId="Word.Document.8">
-              <p:embed/>
-            </p:oleObj>
+            <mc:AlternateContent xmlns:mc="http://schemas.openxmlformats.org/markup-compatibility/2006">
+              <mc:Choice xmlns:v="urn:schemas-microsoft-com:vml" Requires="v">
+                <p:oleObj spid="_x0000_s10244" name="Document" r:id="rId5" imgW="7594071" imgH="4208216" progId="Word.Document.8">
+                  <p:embed/>
+                </p:oleObj>
+              </mc:Choice>
+              <mc:Fallback>
+                <p:oleObj name="Document" r:id="rId5" imgW="7594071" imgH="4208216" progId="Word.Document.8">
+                  <p:embed/>
+                  <p:pic>
+                    <p:nvPicPr>
+                      <p:cNvPr id="0" name="Picture 3"/>
+                      <p:cNvPicPr>
+                        <a:picLocks noChangeAspect="1" noChangeArrowheads="1"/>
+                      </p:cNvPicPr>
+                      <p:nvPr/>
+                    </p:nvPicPr>
+                    <p:blipFill>
+                      <a:blip r:embed="rId6">
+                        <a:extLst>
+                          <a:ext uri="{28A0092B-C50C-407E-A947-70E740481C1C}">
+                            <a14:useLocalDpi xmlns:a14="http://schemas.microsoft.com/office/drawing/2010/main" val="0"/>
+                          </a:ext>
+                        </a:extLst>
+                      </a:blip>
+                      <a:srcRect/>
+                      <a:stretch>
+                        <a:fillRect/>
+                      </a:stretch>
+                    </p:blipFill>
+                    <p:spPr bwMode="auto">
+                      <a:xfrm>
+                        <a:off x="717550" y="2012950"/>
+                        <a:ext cx="7554913" cy="4186238"/>
+                      </a:xfrm>
+                      <a:prstGeom prst="rect">
+                        <a:avLst/>
+                      </a:prstGeom>
+                      <a:noFill/>
+                      <a:extLst>
+                        <a:ext uri="{909E8E84-426E-40DD-AFC4-6F175D3DCCD1}">
+                          <a14:hiddenFill xmlns:a14="http://schemas.microsoft.com/office/drawing/2010/main">
+                            <a:solidFill>
+                              <a:srgbClr val="FFFFFF"/>
+                            </a:solidFill>
+                          </a14:hiddenFill>
+                        </a:ext>
+                      </a:extLst>
+                    </p:spPr>
+                  </p:pic>
+                </p:oleObj>
+              </mc:Fallback>
+            </mc:AlternateContent>
           </a:graphicData>
         </a:graphic>
       </p:graphicFrame>
@@ -13485,9 +13708,59 @@
           </p:xfrm>
           <a:graphic>
             <a:graphicData uri="http://schemas.openxmlformats.org/presentationml/2006/ole">
-              <p:oleObj spid="_x0000_s77828" name="Equation" r:id="rId4" imgW="1218960" imgH="469800" progId="Equation.3">
-                <p:embed/>
-              </p:oleObj>
+              <mc:AlternateContent xmlns:mc="http://schemas.openxmlformats.org/markup-compatibility/2006">
+                <mc:Choice xmlns:v="urn:schemas-microsoft-com:vml" Requires="v">
+                  <p:oleObj spid="_x0000_s77830" name="Equation" r:id="rId4" imgW="1218960" imgH="469800" progId="Equation.3">
+                    <p:embed/>
+                  </p:oleObj>
+                </mc:Choice>
+                <mc:Fallback>
+                  <p:oleObj name="Equation" r:id="rId4" imgW="1218960" imgH="469800" progId="Equation.3">
+                    <p:embed/>
+                    <p:pic>
+                      <p:nvPicPr>
+                        <p:cNvPr id="0" name="Picture 4"/>
+                        <p:cNvPicPr>
+                          <a:picLocks noChangeAspect="1" noChangeArrowheads="1"/>
+                        </p:cNvPicPr>
+                        <p:nvPr/>
+                      </p:nvPicPr>
+                      <p:blipFill>
+                        <a:blip r:embed="rId5">
+                          <a:extLst>
+                            <a:ext uri="{28A0092B-C50C-407E-A947-70E740481C1C}">
+                              <a14:useLocalDpi xmlns:a14="http://schemas.microsoft.com/office/drawing/2010/main" val="0"/>
+                            </a:ext>
+                          </a:extLst>
+                        </a:blip>
+                        <a:srcRect/>
+                        <a:stretch>
+                          <a:fillRect/>
+                        </a:stretch>
+                      </p:blipFill>
+                      <p:spPr bwMode="auto">
+                        <a:xfrm>
+                          <a:off x="3273" y="3057"/>
+                          <a:ext cx="1537" cy="592"/>
+                        </a:xfrm>
+                        <a:prstGeom prst="rect">
+                          <a:avLst/>
+                        </a:prstGeom>
+                        <a:noFill/>
+                        <a:extLst>
+                          <a:ext uri="{909E8E84-426E-40DD-AFC4-6F175D3DCCD1}">
+                            <a14:hiddenFill xmlns:a14="http://schemas.microsoft.com/office/drawing/2010/main">
+                              <a:solidFill>
+                                <a:srgbClr val="FFFFFF"/>
+                              </a:solidFill>
+                            </a14:hiddenFill>
+                          </a:ext>
+                        </a:extLst>
+                      </p:spPr>
+                    </p:pic>
+                  </p:oleObj>
+                </mc:Fallback>
+              </mc:AlternateContent>
             </a:graphicData>
           </a:graphic>
         </p:graphicFrame>
@@ -13505,9 +13778,59 @@
           </p:xfrm>
           <a:graphic>
             <a:graphicData uri="http://schemas.openxmlformats.org/presentationml/2006/ole">
-              <p:oleObj spid="_x0000_s77829" name="Equation" r:id="rId5" imgW="1498320" imgH="457200" progId="Equation.3">
-                <p:embed/>
-              </p:oleObj>
+              <mc:AlternateContent xmlns:mc="http://schemas.openxmlformats.org/markup-compatibility/2006">
+                <mc:Choice xmlns:v="urn:schemas-microsoft-com:vml" Requires="v">
+                  <p:oleObj spid="_x0000_s77831" name="Equation" r:id="rId6" imgW="1498320" imgH="457200" progId="Equation.3">
+                    <p:embed/>
+                  </p:oleObj>
+                </mc:Choice>
+                <mc:Fallback>
+                  <p:oleObj name="Equation" r:id="rId6" imgW="1498320" imgH="457200" progId="Equation.3">
+                    <p:embed/>
+                    <p:pic>
+                      <p:nvPicPr>
+                        <p:cNvPr id="0" name="Picture 5"/>
+                        <p:cNvPicPr>
+                          <a:picLocks noChangeAspect="1" noChangeArrowheads="1"/>
+                        </p:cNvPicPr>
+                        <p:nvPr/>
+                      </p:nvPicPr>
+                      <p:blipFill>
+                        <a:blip r:embed="rId7">
+                          <a:extLst>
+                            <a:ext uri="{28A0092B-C50C-407E-A947-70E740481C1C}">
+                              <a14:useLocalDpi xmlns:a14="http://schemas.microsoft.com/office/drawing/2010/main" val="0"/>
+                            </a:ext>
+                          </a:extLst>
+                        </a:blip>
+                        <a:srcRect/>
+                        <a:stretch>
+                          <a:fillRect/>
+                        </a:stretch>
+                      </p:blipFill>
+                      <p:spPr bwMode="auto">
+                        <a:xfrm>
+                          <a:off x="868" y="3074"/>
+                          <a:ext cx="1889" cy="576"/>
+                        </a:xfrm>
+                        <a:prstGeom prst="rect">
+                          <a:avLst/>
+                        </a:prstGeom>
+                        <a:noFill/>
+                        <a:extLst>
+                          <a:ext uri="{909E8E84-426E-40DD-AFC4-6F175D3DCCD1}">
+                            <a14:hiddenFill xmlns:a14="http://schemas.microsoft.com/office/drawing/2010/main">
+                              <a:solidFill>
+                                <a:srgbClr val="FFFFFF"/>
+                              </a:solidFill>
+                            </a14:hiddenFill>
+                          </a:ext>
+                        </a:extLst>
+                      </p:spPr>
+                    </p:pic>
+                  </p:oleObj>
+                </mc:Fallback>
+              </mc:AlternateContent>
             </a:graphicData>
           </a:graphic>
         </p:graphicFrame>
@@ -21944,7 +22267,7 @@
 </file>
 
 <file path=ppt/slides/slide26.xml><?xml version="1.0" encoding="utf-8"?>
-<p:sld xmlns:a="http://schemas.openxmlformats.org/drawingml/2006/main" xmlns:r="http://schemas.openxmlformats.org/officeDocument/2006/relationships" xmlns:p="http://schemas.openxmlformats.org/presentationml/2006/main">
+<p:sld xmlns:a="http://schemas.openxmlformats.org/drawingml/2006/main" xmlns:r="http://schemas.openxmlformats.org/officeDocument/2006/relationships" xmlns:p="http://schemas.openxmlformats.org/presentationml/2006/main" show="0">
   <p:cSld>
     <p:spTree>
       <p:nvGrpSpPr>
@@ -27448,7 +27771,7 @@
 </file>
 
 <file path=ppt/slides/slide34.xml><?xml version="1.0" encoding="utf-8"?>
-<p:sld xmlns:a="http://schemas.openxmlformats.org/drawingml/2006/main" xmlns:r="http://schemas.openxmlformats.org/officeDocument/2006/relationships" xmlns:p="http://schemas.openxmlformats.org/presentationml/2006/main">
+<p:sld xmlns:a="http://schemas.openxmlformats.org/drawingml/2006/main" xmlns:r="http://schemas.openxmlformats.org/officeDocument/2006/relationships" xmlns:p="http://schemas.openxmlformats.org/presentationml/2006/main" show="0">
   <p:cSld>
     <p:spTree>
       <p:nvGrpSpPr>
@@ -27648,7 +27971,7 @@
 </file>
 
 <file path=ppt/slides/slide35.xml><?xml version="1.0" encoding="utf-8"?>
-<p:sld xmlns:a="http://schemas.openxmlformats.org/drawingml/2006/main" xmlns:r="http://schemas.openxmlformats.org/officeDocument/2006/relationships" xmlns:p="http://schemas.openxmlformats.org/presentationml/2006/main">
+<p:sld xmlns:a="http://schemas.openxmlformats.org/drawingml/2006/main" xmlns:r="http://schemas.openxmlformats.org/officeDocument/2006/relationships" xmlns:p="http://schemas.openxmlformats.org/presentationml/2006/main" show="0">
   <p:cSld>
     <p:spTree>
       <p:nvGrpSpPr>
@@ -27914,7 +28237,7 @@
 </file>
 
 <file path=ppt/slides/slide37.xml><?xml version="1.0" encoding="utf-8"?>
-<p:sld xmlns:a="http://schemas.openxmlformats.org/drawingml/2006/main" xmlns:r="http://schemas.openxmlformats.org/officeDocument/2006/relationships" xmlns:p="http://schemas.openxmlformats.org/presentationml/2006/main">
+<p:sld xmlns:a="http://schemas.openxmlformats.org/drawingml/2006/main" xmlns:r="http://schemas.openxmlformats.org/officeDocument/2006/relationships" xmlns:p="http://schemas.openxmlformats.org/presentationml/2006/main" show="0">
   <p:cSld>
     <p:spTree>
       <p:nvGrpSpPr>
@@ -28005,7 +28328,7 @@
 </file>
 
 <file path=ppt/slides/slide38.xml><?xml version="1.0" encoding="utf-8"?>
-<p:sld xmlns:a="http://schemas.openxmlformats.org/drawingml/2006/main" xmlns:r="http://schemas.openxmlformats.org/officeDocument/2006/relationships" xmlns:p="http://schemas.openxmlformats.org/presentationml/2006/main">
+<p:sld xmlns:a="http://schemas.openxmlformats.org/drawingml/2006/main" xmlns:r="http://schemas.openxmlformats.org/officeDocument/2006/relationships" xmlns:p="http://schemas.openxmlformats.org/presentationml/2006/main" show="0">
   <p:cSld>
     <p:spTree>
       <p:nvGrpSpPr>
@@ -28140,7 +28463,7 @@
 </file>
 
 <file path=ppt/slides/slide39.xml><?xml version="1.0" encoding="utf-8"?>
-<p:sld xmlns:a="http://schemas.openxmlformats.org/drawingml/2006/main" xmlns:r="http://schemas.openxmlformats.org/officeDocument/2006/relationships" xmlns:p="http://schemas.openxmlformats.org/presentationml/2006/main">
+<p:sld xmlns:a="http://schemas.openxmlformats.org/drawingml/2006/main" xmlns:r="http://schemas.openxmlformats.org/officeDocument/2006/relationships" xmlns:p="http://schemas.openxmlformats.org/presentationml/2006/main" show="0">
   <p:cSld>
     <p:spTree>
       <p:nvGrpSpPr>
@@ -28318,7 +28641,7 @@
         <p:nvGraphicFramePr>
           <p:cNvPr id="37891" name="Object 1027"/>
           <p:cNvGraphicFramePr>
-            <a:graphicFrameLocks noChangeAspect="1"/>
+            <a:graphicFrameLocks noGrp="1" noChangeAspect="1"/>
           </p:cNvGraphicFramePr>
           <p:nvPr>
             <p:ph type="dgm" idx="1"/>
@@ -28330,9 +28653,59 @@
         </p:xfrm>
         <a:graphic>
           <a:graphicData uri="http://schemas.openxmlformats.org/presentationml/2006/ole">
-            <p:oleObj spid="_x0000_s37891" name="Organigram" r:id="rId4" imgW="6279840" imgH="3327120" progId="OrgPlusWOPX.4">
-              <p:embed followColorScheme="full"/>
-            </p:oleObj>
+            <mc:AlternateContent xmlns:mc="http://schemas.openxmlformats.org/markup-compatibility/2006">
+              <mc:Choice xmlns:v="urn:schemas-microsoft-com:vml" Requires="v">
+                <p:oleObj spid="_x0000_s37892" name="Organigram" r:id="rId4" imgW="6279840" imgH="3327120" progId="OrgPlusWOPX.4">
+                  <p:embed followColorScheme="full"/>
+                </p:oleObj>
+              </mc:Choice>
+              <mc:Fallback>
+                <p:oleObj name="Organigram" r:id="rId4" imgW="6279840" imgH="3327120" progId="OrgPlusWOPX.4">
+                  <p:embed followColorScheme="full"/>
+                  <p:pic>
+                    <p:nvPicPr>
+                      <p:cNvPr id="0" name="Picture 1027"/>
+                      <p:cNvPicPr>
+                        <a:picLocks noChangeAspect="1" noChangeArrowheads="1"/>
+                      </p:cNvPicPr>
+                      <p:nvPr/>
+                    </p:nvPicPr>
+                    <p:blipFill>
+                      <a:blip r:embed="rId5">
+                        <a:extLst>
+                          <a:ext uri="{28A0092B-C50C-407E-A947-70E740481C1C}">
+                            <a14:useLocalDpi xmlns:a14="http://schemas.microsoft.com/office/drawing/2010/main" val="0"/>
+                          </a:ext>
+                        </a:extLst>
+                      </a:blip>
+                      <a:srcRect/>
+                      <a:stretch>
+                        <a:fillRect/>
+                      </a:stretch>
+                    </p:blipFill>
+                    <p:spPr bwMode="auto">
+                      <a:xfrm>
+                        <a:off x="427038" y="1312863"/>
+                        <a:ext cx="8288337" cy="4391025"/>
+                      </a:xfrm>
+                      <a:prstGeom prst="rect">
+                        <a:avLst/>
+                      </a:prstGeom>
+                      <a:noFill/>
+                      <a:extLst>
+                        <a:ext uri="{909E8E84-426E-40DD-AFC4-6F175D3DCCD1}">
+                          <a14:hiddenFill xmlns:a14="http://schemas.microsoft.com/office/drawing/2010/main">
+                            <a:solidFill>
+                              <a:srgbClr val="FFFFFF"/>
+                            </a:solidFill>
+                          </a14:hiddenFill>
+                        </a:ext>
+                      </a:extLst>
+                    </p:spPr>
+                  </p:pic>
+                </p:oleObj>
+              </mc:Fallback>
+            </mc:AlternateContent>
           </a:graphicData>
         </a:graphic>
       </p:graphicFrame>
